--- a/docs/시스템구성도.pptx
+++ b/docs/시스템구성도.pptx
@@ -6,6 +6,7 @@
   </p:sldMasterIdLst>
   <p:sldIdLst>
     <p:sldId id="256" r:id="rId2"/>
+    <p:sldId id="257" r:id="rId3"/>
   </p:sldIdLst>
   <p:sldSz cx="12192000" cy="6858000"/>
   <p:notesSz cx="6858000" cy="9144000"/>
@@ -104,6 +105,11 @@
       </a:defRPr>
     </a:lvl9pPr>
   </p:defaultTextStyle>
+  <p:extLst>
+    <p:ext uri="{EFAFB233-063F-42B5-8137-9DF3F51BA10A}">
+      <p15:sldGuideLst xmlns:p15="http://schemas.microsoft.com/office/powerpoint/2012/main"/>
+    </p:ext>
+  </p:extLst>
 </p:presentation>
 </file>
 
@@ -254,7 +260,7 @@
           <a:p>
             <a:fld id="{B0AF61B7-4344-447B-85FA-BA862AB5219B}" type="datetimeFigureOut">
               <a:rPr lang="ko-KR" altLang="en-US" smtClean="0"/>
-              <a:t>2019-02-19</a:t>
+              <a:t>2019-02-20</a:t>
             </a:fld>
             <a:endParaRPr lang="ko-KR" altLang="en-US"/>
           </a:p>
@@ -452,7 +458,7 @@
           <a:p>
             <a:fld id="{B0AF61B7-4344-447B-85FA-BA862AB5219B}" type="datetimeFigureOut">
               <a:rPr lang="ko-KR" altLang="en-US" smtClean="0"/>
-              <a:t>2019-02-19</a:t>
+              <a:t>2019-02-20</a:t>
             </a:fld>
             <a:endParaRPr lang="ko-KR" altLang="en-US"/>
           </a:p>
@@ -660,7 +666,7 @@
           <a:p>
             <a:fld id="{B0AF61B7-4344-447B-85FA-BA862AB5219B}" type="datetimeFigureOut">
               <a:rPr lang="ko-KR" altLang="en-US" smtClean="0"/>
-              <a:t>2019-02-19</a:t>
+              <a:t>2019-02-20</a:t>
             </a:fld>
             <a:endParaRPr lang="ko-KR" altLang="en-US"/>
           </a:p>
@@ -858,7 +864,7 @@
           <a:p>
             <a:fld id="{B0AF61B7-4344-447B-85FA-BA862AB5219B}" type="datetimeFigureOut">
               <a:rPr lang="ko-KR" altLang="en-US" smtClean="0"/>
-              <a:t>2019-02-19</a:t>
+              <a:t>2019-02-20</a:t>
             </a:fld>
             <a:endParaRPr lang="ko-KR" altLang="en-US"/>
           </a:p>
@@ -1133,7 +1139,7 @@
           <a:p>
             <a:fld id="{B0AF61B7-4344-447B-85FA-BA862AB5219B}" type="datetimeFigureOut">
               <a:rPr lang="ko-KR" altLang="en-US" smtClean="0"/>
-              <a:t>2019-02-19</a:t>
+              <a:t>2019-02-20</a:t>
             </a:fld>
             <a:endParaRPr lang="ko-KR" altLang="en-US"/>
           </a:p>
@@ -1398,7 +1404,7 @@
           <a:p>
             <a:fld id="{B0AF61B7-4344-447B-85FA-BA862AB5219B}" type="datetimeFigureOut">
               <a:rPr lang="ko-KR" altLang="en-US" smtClean="0"/>
-              <a:t>2019-02-19</a:t>
+              <a:t>2019-02-20</a:t>
             </a:fld>
             <a:endParaRPr lang="ko-KR" altLang="en-US"/>
           </a:p>
@@ -1810,7 +1816,7 @@
           <a:p>
             <a:fld id="{B0AF61B7-4344-447B-85FA-BA862AB5219B}" type="datetimeFigureOut">
               <a:rPr lang="ko-KR" altLang="en-US" smtClean="0"/>
-              <a:t>2019-02-19</a:t>
+              <a:t>2019-02-20</a:t>
             </a:fld>
             <a:endParaRPr lang="ko-KR" altLang="en-US"/>
           </a:p>
@@ -1951,7 +1957,7 @@
           <a:p>
             <a:fld id="{B0AF61B7-4344-447B-85FA-BA862AB5219B}" type="datetimeFigureOut">
               <a:rPr lang="ko-KR" altLang="en-US" smtClean="0"/>
-              <a:t>2019-02-19</a:t>
+              <a:t>2019-02-20</a:t>
             </a:fld>
             <a:endParaRPr lang="ko-KR" altLang="en-US"/>
           </a:p>
@@ -2064,7 +2070,7 @@
           <a:p>
             <a:fld id="{B0AF61B7-4344-447B-85FA-BA862AB5219B}" type="datetimeFigureOut">
               <a:rPr lang="ko-KR" altLang="en-US" smtClean="0"/>
-              <a:t>2019-02-19</a:t>
+              <a:t>2019-02-20</a:t>
             </a:fld>
             <a:endParaRPr lang="ko-KR" altLang="en-US"/>
           </a:p>
@@ -2375,7 +2381,7 @@
           <a:p>
             <a:fld id="{B0AF61B7-4344-447B-85FA-BA862AB5219B}" type="datetimeFigureOut">
               <a:rPr lang="ko-KR" altLang="en-US" smtClean="0"/>
-              <a:t>2019-02-19</a:t>
+              <a:t>2019-02-20</a:t>
             </a:fld>
             <a:endParaRPr lang="ko-KR" altLang="en-US"/>
           </a:p>
@@ -2663,7 +2669,7 @@
           <a:p>
             <a:fld id="{B0AF61B7-4344-447B-85FA-BA862AB5219B}" type="datetimeFigureOut">
               <a:rPr lang="ko-KR" altLang="en-US" smtClean="0"/>
-              <a:t>2019-02-19</a:t>
+              <a:t>2019-02-20</a:t>
             </a:fld>
             <a:endParaRPr lang="ko-KR" altLang="en-US"/>
           </a:p>
@@ -2904,7 +2910,7 @@
           <a:p>
             <a:fld id="{B0AF61B7-4344-447B-85FA-BA862AB5219B}" type="datetimeFigureOut">
               <a:rPr lang="ko-KR" altLang="en-US" smtClean="0"/>
-              <a:t>2019-02-19</a:t>
+              <a:t>2019-02-20</a:t>
             </a:fld>
             <a:endParaRPr lang="ko-KR" altLang="en-US"/>
           </a:p>
@@ -4896,6 +4902,1672 @@
 </p:sld>
 </file>
 
+<file path=ppt/slides/slide2.xml><?xml version="1.0" encoding="utf-8"?>
+<p:sld xmlns:a="http://schemas.openxmlformats.org/drawingml/2006/main" xmlns:r="http://schemas.openxmlformats.org/officeDocument/2006/relationships" xmlns:p="http://schemas.openxmlformats.org/presentationml/2006/main">
+  <p:cSld>
+    <p:spTree>
+      <p:nvGrpSpPr>
+        <p:cNvPr id="1" name=""/>
+        <p:cNvGrpSpPr/>
+        <p:nvPr/>
+      </p:nvGrpSpPr>
+      <p:grpSpPr>
+        <a:xfrm>
+          <a:off x="0" y="0"/>
+          <a:ext cx="0" cy="0"/>
+          <a:chOff x="0" y="0"/>
+          <a:chExt cx="0" cy="0"/>
+        </a:xfrm>
+      </p:grpSpPr>
+      <p:sp>
+        <p:nvSpPr>
+          <p:cNvPr id="42" name="사각형: 둥근 모서리 41">
+            <a:extLst>
+              <a:ext uri="{FF2B5EF4-FFF2-40B4-BE49-F238E27FC236}">
+                <a16:creationId xmlns:a16="http://schemas.microsoft.com/office/drawing/2014/main" id="{A13CAB45-1AB4-4D7C-8715-6138FE635843}"/>
+              </a:ext>
+            </a:extLst>
+          </p:cNvPr>
+          <p:cNvSpPr/>
+          <p:nvPr/>
+        </p:nvSpPr>
+        <p:spPr>
+          <a:xfrm>
+            <a:off x="1988599" y="2457921"/>
+            <a:ext cx="1837678" cy="1686532"/>
+          </a:xfrm>
+          <a:prstGeom prst="roundRect">
+            <a:avLst>
+              <a:gd name="adj" fmla="val 10350"/>
+            </a:avLst>
+          </a:prstGeom>
+          <a:solidFill>
+            <a:schemeClr val="bg1"/>
+          </a:solidFill>
+        </p:spPr>
+        <p:style>
+          <a:lnRef idx="2">
+            <a:schemeClr val="accent1">
+              <a:shade val="50000"/>
+            </a:schemeClr>
+          </a:lnRef>
+          <a:fillRef idx="1">
+            <a:schemeClr val="accent1"/>
+          </a:fillRef>
+          <a:effectRef idx="0">
+            <a:schemeClr val="accent1"/>
+          </a:effectRef>
+          <a:fontRef idx="minor">
+            <a:schemeClr val="lt1"/>
+          </a:fontRef>
+        </p:style>
+        <p:txBody>
+          <a:bodyPr rtlCol="0" anchor="t"/>
+          <a:lstStyle/>
+          <a:p>
+            <a:pPr>
+              <a:lnSpc>
+                <a:spcPct val="114000"/>
+              </a:lnSpc>
+            </a:pPr>
+            <a:r>
+              <a:rPr lang="en-US" altLang="ko-KR" sz="1200" b="1" u="sng" dirty="0">
+                <a:solidFill>
+                  <a:schemeClr val="tx1">
+                    <a:lumMod val="95000"/>
+                    <a:lumOff val="5000"/>
+                  </a:schemeClr>
+                </a:solidFill>
+              </a:rPr>
+              <a:t>Spring Boot</a:t>
+            </a:r>
+          </a:p>
+        </p:txBody>
+      </p:sp>
+      <p:sp>
+        <p:nvSpPr>
+          <p:cNvPr id="45" name="사각형: 둥근 모서리 44">
+            <a:extLst>
+              <a:ext uri="{FF2B5EF4-FFF2-40B4-BE49-F238E27FC236}">
+                <a16:creationId xmlns:a16="http://schemas.microsoft.com/office/drawing/2014/main" id="{E3953E42-FB2D-4BE2-8822-AC6409540378}"/>
+              </a:ext>
+            </a:extLst>
+          </p:cNvPr>
+          <p:cNvSpPr/>
+          <p:nvPr/>
+        </p:nvSpPr>
+        <p:spPr>
+          <a:xfrm>
+            <a:off x="1828801" y="2022006"/>
+            <a:ext cx="2108641" cy="2211865"/>
+          </a:xfrm>
+          <a:prstGeom prst="roundRect">
+            <a:avLst>
+              <a:gd name="adj" fmla="val 8799"/>
+            </a:avLst>
+          </a:prstGeom>
+          <a:noFill/>
+          <a:ln w="38100">
+            <a:solidFill>
+              <a:schemeClr val="accent1">
+                <a:lumMod val="60000"/>
+                <a:lumOff val="40000"/>
+              </a:schemeClr>
+            </a:solidFill>
+            <a:prstDash val="sysDot"/>
+          </a:ln>
+        </p:spPr>
+        <p:style>
+          <a:lnRef idx="2">
+            <a:schemeClr val="accent1">
+              <a:shade val="50000"/>
+            </a:schemeClr>
+          </a:lnRef>
+          <a:fillRef idx="1">
+            <a:schemeClr val="accent1"/>
+          </a:fillRef>
+          <a:effectRef idx="0">
+            <a:schemeClr val="accent1"/>
+          </a:effectRef>
+          <a:fontRef idx="minor">
+            <a:schemeClr val="lt1"/>
+          </a:fontRef>
+        </p:style>
+        <p:txBody>
+          <a:bodyPr rtlCol="0" anchor="ctr"/>
+          <a:lstStyle/>
+          <a:p>
+            <a:pPr algn="ctr"/>
+            <a:endParaRPr lang="ko-KR" altLang="en-US"/>
+          </a:p>
+        </p:txBody>
+      </p:sp>
+      <p:sp>
+        <p:nvSpPr>
+          <p:cNvPr id="46" name="TextBox 45">
+            <a:extLst>
+              <a:ext uri="{FF2B5EF4-FFF2-40B4-BE49-F238E27FC236}">
+                <a16:creationId xmlns:a16="http://schemas.microsoft.com/office/drawing/2014/main" id="{D33BA84C-F659-4F88-BC6A-E0333BAD966B}"/>
+              </a:ext>
+            </a:extLst>
+          </p:cNvPr>
+          <p:cNvSpPr txBox="1"/>
+          <p:nvPr/>
+        </p:nvSpPr>
+        <p:spPr>
+          <a:xfrm>
+            <a:off x="2300729" y="2055297"/>
+            <a:ext cx="1259063" cy="369332"/>
+          </a:xfrm>
+          <a:prstGeom prst="rect">
+            <a:avLst/>
+          </a:prstGeom>
+          <a:noFill/>
+        </p:spPr>
+        <p:txBody>
+          <a:bodyPr wrap="none" rtlCol="0">
+            <a:spAutoFit/>
+          </a:bodyPr>
+          <a:lstStyle/>
+          <a:p>
+            <a:r>
+              <a:rPr lang="en-US" altLang="ko-KR" dirty="0"/>
+              <a:t>Wallet</a:t>
+            </a:r>
+            <a:r>
+              <a:rPr lang="ko-KR" altLang="en-US" dirty="0"/>
+              <a:t> </a:t>
+            </a:r>
+            <a:r>
+              <a:rPr lang="en-US" altLang="ko-KR" dirty="0"/>
+              <a:t>API</a:t>
+            </a:r>
+            <a:endParaRPr lang="ko-KR" altLang="en-US" dirty="0"/>
+          </a:p>
+        </p:txBody>
+      </p:sp>
+      <p:sp>
+        <p:nvSpPr>
+          <p:cNvPr id="48" name="사각형: 둥근 모서리 47">
+            <a:extLst>
+              <a:ext uri="{FF2B5EF4-FFF2-40B4-BE49-F238E27FC236}">
+                <a16:creationId xmlns:a16="http://schemas.microsoft.com/office/drawing/2014/main" id="{05F17B84-33B7-4AA1-8210-E861148B26A8}"/>
+              </a:ext>
+            </a:extLst>
+          </p:cNvPr>
+          <p:cNvSpPr/>
+          <p:nvPr/>
+        </p:nvSpPr>
+        <p:spPr>
+          <a:xfrm>
+            <a:off x="2095131" y="2893719"/>
+            <a:ext cx="1624614" cy="408338"/>
+          </a:xfrm>
+          <a:prstGeom prst="roundRect">
+            <a:avLst/>
+          </a:prstGeom>
+          <a:solidFill>
+            <a:schemeClr val="bg1"/>
+          </a:solidFill>
+        </p:spPr>
+        <p:style>
+          <a:lnRef idx="2">
+            <a:schemeClr val="accent1">
+              <a:shade val="50000"/>
+            </a:schemeClr>
+          </a:lnRef>
+          <a:fillRef idx="1">
+            <a:schemeClr val="accent1"/>
+          </a:fillRef>
+          <a:effectRef idx="0">
+            <a:schemeClr val="accent1"/>
+          </a:effectRef>
+          <a:fontRef idx="minor">
+            <a:schemeClr val="lt1"/>
+          </a:fontRef>
+        </p:style>
+        <p:txBody>
+          <a:bodyPr rtlCol="0" anchor="t"/>
+          <a:lstStyle/>
+          <a:p>
+            <a:pPr>
+              <a:lnSpc>
+                <a:spcPct val="114000"/>
+              </a:lnSpc>
+            </a:pPr>
+            <a:r>
+              <a:rPr lang="en-US" altLang="ko-KR" sz="1200" b="1" dirty="0">
+                <a:solidFill>
+                  <a:schemeClr val="tx1">
+                    <a:lumMod val="95000"/>
+                    <a:lumOff val="5000"/>
+                  </a:schemeClr>
+                </a:solidFill>
+              </a:rPr>
+              <a:t>API</a:t>
+            </a:r>
+            <a:endParaRPr lang="ko-KR" altLang="en-US" sz="1200" dirty="0">
+              <a:solidFill>
+                <a:schemeClr val="tx1">
+                  <a:lumMod val="95000"/>
+                  <a:lumOff val="5000"/>
+                </a:schemeClr>
+              </a:solidFill>
+            </a:endParaRPr>
+          </a:p>
+        </p:txBody>
+      </p:sp>
+      <p:sp>
+        <p:nvSpPr>
+          <p:cNvPr id="49" name="사각형: 둥근 모서리 48">
+            <a:extLst>
+              <a:ext uri="{FF2B5EF4-FFF2-40B4-BE49-F238E27FC236}">
+                <a16:creationId xmlns:a16="http://schemas.microsoft.com/office/drawing/2014/main" id="{A98F5D1F-089C-4F1A-873C-968558D29FA5}"/>
+              </a:ext>
+            </a:extLst>
+          </p:cNvPr>
+          <p:cNvSpPr/>
+          <p:nvPr/>
+        </p:nvSpPr>
+        <p:spPr>
+          <a:xfrm>
+            <a:off x="2095131" y="3393844"/>
+            <a:ext cx="1624614" cy="627739"/>
+          </a:xfrm>
+          <a:prstGeom prst="roundRect">
+            <a:avLst/>
+          </a:prstGeom>
+          <a:solidFill>
+            <a:schemeClr val="bg1"/>
+          </a:solidFill>
+        </p:spPr>
+        <p:style>
+          <a:lnRef idx="2">
+            <a:schemeClr val="accent1">
+              <a:shade val="50000"/>
+            </a:schemeClr>
+          </a:lnRef>
+          <a:fillRef idx="1">
+            <a:schemeClr val="accent1"/>
+          </a:fillRef>
+          <a:effectRef idx="0">
+            <a:schemeClr val="accent1"/>
+          </a:effectRef>
+          <a:fontRef idx="minor">
+            <a:schemeClr val="lt1"/>
+          </a:fontRef>
+        </p:style>
+        <p:txBody>
+          <a:bodyPr rtlCol="0" anchor="t"/>
+          <a:lstStyle/>
+          <a:p>
+            <a:pPr>
+              <a:lnSpc>
+                <a:spcPct val="114000"/>
+              </a:lnSpc>
+            </a:pPr>
+            <a:r>
+              <a:rPr lang="en-US" altLang="ko-KR" sz="1200" b="1" dirty="0">
+                <a:solidFill>
+                  <a:schemeClr val="tx1">
+                    <a:lumMod val="95000"/>
+                    <a:lumOff val="5000"/>
+                  </a:schemeClr>
+                </a:solidFill>
+              </a:rPr>
+              <a:t>Scheduler</a:t>
+            </a:r>
+            <a:endParaRPr lang="ko-KR" altLang="en-US" sz="1200" dirty="0">
+              <a:solidFill>
+                <a:schemeClr val="tx1">
+                  <a:lumMod val="95000"/>
+                  <a:lumOff val="5000"/>
+                </a:schemeClr>
+              </a:solidFill>
+            </a:endParaRPr>
+          </a:p>
+        </p:txBody>
+      </p:sp>
+      <p:sp>
+        <p:nvSpPr>
+          <p:cNvPr id="51" name="사각형: 둥근 모서리 50">
+            <a:extLst>
+              <a:ext uri="{FF2B5EF4-FFF2-40B4-BE49-F238E27FC236}">
+                <a16:creationId xmlns:a16="http://schemas.microsoft.com/office/drawing/2014/main" id="{7E3A3EE3-FEC7-4CB8-9DFE-591B5D1C23A0}"/>
+              </a:ext>
+            </a:extLst>
+          </p:cNvPr>
+          <p:cNvSpPr/>
+          <p:nvPr/>
+        </p:nvSpPr>
+        <p:spPr>
+          <a:xfrm>
+            <a:off x="2201663" y="3707713"/>
+            <a:ext cx="1438182" cy="216217"/>
+          </a:xfrm>
+          <a:prstGeom prst="roundRect">
+            <a:avLst/>
+          </a:prstGeom>
+          <a:solidFill>
+            <a:schemeClr val="bg1"/>
+          </a:solidFill>
+        </p:spPr>
+        <p:style>
+          <a:lnRef idx="2">
+            <a:schemeClr val="accent1">
+              <a:shade val="50000"/>
+            </a:schemeClr>
+          </a:lnRef>
+          <a:fillRef idx="1">
+            <a:schemeClr val="accent1"/>
+          </a:fillRef>
+          <a:effectRef idx="0">
+            <a:schemeClr val="accent1"/>
+          </a:effectRef>
+          <a:fontRef idx="minor">
+            <a:schemeClr val="lt1"/>
+          </a:fontRef>
+        </p:style>
+        <p:txBody>
+          <a:bodyPr rtlCol="0" anchor="ctr"/>
+          <a:lstStyle/>
+          <a:p>
+            <a:pPr>
+              <a:lnSpc>
+                <a:spcPct val="114000"/>
+              </a:lnSpc>
+            </a:pPr>
+            <a:r>
+              <a:rPr lang="en-US" altLang="ko-KR" sz="1200" b="1" dirty="0">
+                <a:solidFill>
+                  <a:schemeClr val="tx1">
+                    <a:lumMod val="95000"/>
+                    <a:lumOff val="5000"/>
+                  </a:schemeClr>
+                </a:solidFill>
+              </a:rPr>
+              <a:t>BTC/LTC/ETH/ET..</a:t>
+            </a:r>
+            <a:endParaRPr lang="ko-KR" altLang="en-US" sz="1200" dirty="0">
+              <a:solidFill>
+                <a:schemeClr val="tx1">
+                  <a:lumMod val="95000"/>
+                  <a:lumOff val="5000"/>
+                </a:schemeClr>
+              </a:solidFill>
+            </a:endParaRPr>
+          </a:p>
+        </p:txBody>
+      </p:sp>
+      <p:sp>
+        <p:nvSpPr>
+          <p:cNvPr id="2" name="화살표: 오른쪽 1">
+            <a:extLst>
+              <a:ext uri="{FF2B5EF4-FFF2-40B4-BE49-F238E27FC236}">
+                <a16:creationId xmlns:a16="http://schemas.microsoft.com/office/drawing/2014/main" id="{AF809DC8-3146-4DA6-B8D2-C75988F278D6}"/>
+              </a:ext>
+            </a:extLst>
+          </p:cNvPr>
+          <p:cNvSpPr/>
+          <p:nvPr/>
+        </p:nvSpPr>
+        <p:spPr>
+          <a:xfrm>
+            <a:off x="4952554" y="2679616"/>
+            <a:ext cx="1091953" cy="896644"/>
+          </a:xfrm>
+          <a:prstGeom prst="rightArrow">
+            <a:avLst/>
+          </a:prstGeom>
+          <a:solidFill>
+            <a:schemeClr val="bg1"/>
+          </a:solidFill>
+        </p:spPr>
+        <p:style>
+          <a:lnRef idx="2">
+            <a:schemeClr val="accent1">
+              <a:shade val="50000"/>
+            </a:schemeClr>
+          </a:lnRef>
+          <a:fillRef idx="1">
+            <a:schemeClr val="accent1"/>
+          </a:fillRef>
+          <a:effectRef idx="0">
+            <a:schemeClr val="accent1"/>
+          </a:effectRef>
+          <a:fontRef idx="minor">
+            <a:schemeClr val="lt1"/>
+          </a:fontRef>
+        </p:style>
+        <p:txBody>
+          <a:bodyPr rtlCol="0" anchor="ctr"/>
+          <a:lstStyle/>
+          <a:p>
+            <a:pPr algn="ctr"/>
+            <a:endParaRPr lang="ko-KR" altLang="en-US"/>
+          </a:p>
+        </p:txBody>
+      </p:sp>
+      <p:sp>
+        <p:nvSpPr>
+          <p:cNvPr id="52" name="사각형: 둥근 모서리 51">
+            <a:extLst>
+              <a:ext uri="{FF2B5EF4-FFF2-40B4-BE49-F238E27FC236}">
+                <a16:creationId xmlns:a16="http://schemas.microsoft.com/office/drawing/2014/main" id="{0A6A739F-0E6F-4807-9DBD-5B6C186CADCB}"/>
+              </a:ext>
+            </a:extLst>
+          </p:cNvPr>
+          <p:cNvSpPr/>
+          <p:nvPr/>
+        </p:nvSpPr>
+        <p:spPr>
+          <a:xfrm>
+            <a:off x="6607559" y="1707312"/>
+            <a:ext cx="1837678" cy="991500"/>
+          </a:xfrm>
+          <a:prstGeom prst="roundRect">
+            <a:avLst>
+              <a:gd name="adj" fmla="val 10350"/>
+            </a:avLst>
+          </a:prstGeom>
+          <a:solidFill>
+            <a:schemeClr val="bg1"/>
+          </a:solidFill>
+        </p:spPr>
+        <p:style>
+          <a:lnRef idx="2">
+            <a:schemeClr val="accent1">
+              <a:shade val="50000"/>
+            </a:schemeClr>
+          </a:lnRef>
+          <a:fillRef idx="1">
+            <a:schemeClr val="accent1"/>
+          </a:fillRef>
+          <a:effectRef idx="0">
+            <a:schemeClr val="accent1"/>
+          </a:effectRef>
+          <a:fontRef idx="minor">
+            <a:schemeClr val="lt1"/>
+          </a:fontRef>
+        </p:style>
+        <p:txBody>
+          <a:bodyPr rtlCol="0" anchor="t"/>
+          <a:lstStyle/>
+          <a:p>
+            <a:pPr>
+              <a:lnSpc>
+                <a:spcPct val="114000"/>
+              </a:lnSpc>
+            </a:pPr>
+            <a:r>
+              <a:rPr lang="en-US" altLang="ko-KR" sz="1200" b="1" u="sng" dirty="0">
+                <a:solidFill>
+                  <a:schemeClr val="tx1">
+                    <a:lumMod val="95000"/>
+                    <a:lumOff val="5000"/>
+                  </a:schemeClr>
+                </a:solidFill>
+              </a:rPr>
+              <a:t>Spring Boot</a:t>
+            </a:r>
+          </a:p>
+        </p:txBody>
+      </p:sp>
+      <p:sp>
+        <p:nvSpPr>
+          <p:cNvPr id="54" name="사각형: 둥근 모서리 53">
+            <a:extLst>
+              <a:ext uri="{FF2B5EF4-FFF2-40B4-BE49-F238E27FC236}">
+                <a16:creationId xmlns:a16="http://schemas.microsoft.com/office/drawing/2014/main" id="{A59D3119-DDD7-4576-B927-966C5CE21D3D}"/>
+              </a:ext>
+            </a:extLst>
+          </p:cNvPr>
+          <p:cNvSpPr/>
+          <p:nvPr/>
+        </p:nvSpPr>
+        <p:spPr>
+          <a:xfrm>
+            <a:off x="6447761" y="1271398"/>
+            <a:ext cx="2108641" cy="1622322"/>
+          </a:xfrm>
+          <a:prstGeom prst="roundRect">
+            <a:avLst>
+              <a:gd name="adj" fmla="val 8799"/>
+            </a:avLst>
+          </a:prstGeom>
+          <a:noFill/>
+          <a:ln w="38100">
+            <a:solidFill>
+              <a:schemeClr val="accent1">
+                <a:lumMod val="60000"/>
+                <a:lumOff val="40000"/>
+              </a:schemeClr>
+            </a:solidFill>
+            <a:prstDash val="sysDot"/>
+          </a:ln>
+        </p:spPr>
+        <p:style>
+          <a:lnRef idx="2">
+            <a:schemeClr val="accent1">
+              <a:shade val="50000"/>
+            </a:schemeClr>
+          </a:lnRef>
+          <a:fillRef idx="1">
+            <a:schemeClr val="accent1"/>
+          </a:fillRef>
+          <a:effectRef idx="0">
+            <a:schemeClr val="accent1"/>
+          </a:effectRef>
+          <a:fontRef idx="minor">
+            <a:schemeClr val="lt1"/>
+          </a:fontRef>
+        </p:style>
+        <p:txBody>
+          <a:bodyPr rtlCol="0" anchor="ctr"/>
+          <a:lstStyle/>
+          <a:p>
+            <a:pPr algn="ctr"/>
+            <a:endParaRPr lang="ko-KR" altLang="en-US"/>
+          </a:p>
+        </p:txBody>
+      </p:sp>
+      <p:sp>
+        <p:nvSpPr>
+          <p:cNvPr id="55" name="TextBox 54">
+            <a:extLst>
+              <a:ext uri="{FF2B5EF4-FFF2-40B4-BE49-F238E27FC236}">
+                <a16:creationId xmlns:a16="http://schemas.microsoft.com/office/drawing/2014/main" id="{AFAE4838-3861-4E9A-A6B4-93DE2D57E449}"/>
+              </a:ext>
+            </a:extLst>
+          </p:cNvPr>
+          <p:cNvSpPr txBox="1"/>
+          <p:nvPr/>
+        </p:nvSpPr>
+        <p:spPr>
+          <a:xfrm>
+            <a:off x="6919689" y="1304688"/>
+            <a:ext cx="1259063" cy="369332"/>
+          </a:xfrm>
+          <a:prstGeom prst="rect">
+            <a:avLst/>
+          </a:prstGeom>
+          <a:noFill/>
+        </p:spPr>
+        <p:txBody>
+          <a:bodyPr wrap="none" rtlCol="0">
+            <a:spAutoFit/>
+          </a:bodyPr>
+          <a:lstStyle/>
+          <a:p>
+            <a:r>
+              <a:rPr lang="en-US" altLang="ko-KR" dirty="0"/>
+              <a:t>Wallet</a:t>
+            </a:r>
+            <a:r>
+              <a:rPr lang="ko-KR" altLang="en-US" dirty="0"/>
+              <a:t> </a:t>
+            </a:r>
+            <a:r>
+              <a:rPr lang="en-US" altLang="ko-KR" dirty="0"/>
+              <a:t>API</a:t>
+            </a:r>
+            <a:endParaRPr lang="ko-KR" altLang="en-US" dirty="0"/>
+          </a:p>
+        </p:txBody>
+      </p:sp>
+      <p:sp>
+        <p:nvSpPr>
+          <p:cNvPr id="57" name="사각형: 둥근 모서리 56">
+            <a:extLst>
+              <a:ext uri="{FF2B5EF4-FFF2-40B4-BE49-F238E27FC236}">
+                <a16:creationId xmlns:a16="http://schemas.microsoft.com/office/drawing/2014/main" id="{83B0FC41-C0EF-416D-B80E-1E0CCA5FAF36}"/>
+              </a:ext>
+            </a:extLst>
+          </p:cNvPr>
+          <p:cNvSpPr/>
+          <p:nvPr/>
+        </p:nvSpPr>
+        <p:spPr>
+          <a:xfrm>
+            <a:off x="6714091" y="2143110"/>
+            <a:ext cx="1624614" cy="408338"/>
+          </a:xfrm>
+          <a:prstGeom prst="roundRect">
+            <a:avLst/>
+          </a:prstGeom>
+          <a:solidFill>
+            <a:schemeClr val="bg1"/>
+          </a:solidFill>
+        </p:spPr>
+        <p:style>
+          <a:lnRef idx="2">
+            <a:schemeClr val="accent1">
+              <a:shade val="50000"/>
+            </a:schemeClr>
+          </a:lnRef>
+          <a:fillRef idx="1">
+            <a:schemeClr val="accent1"/>
+          </a:fillRef>
+          <a:effectRef idx="0">
+            <a:schemeClr val="accent1"/>
+          </a:effectRef>
+          <a:fontRef idx="minor">
+            <a:schemeClr val="lt1"/>
+          </a:fontRef>
+        </p:style>
+        <p:txBody>
+          <a:bodyPr rtlCol="0" anchor="t"/>
+          <a:lstStyle/>
+          <a:p>
+            <a:pPr>
+              <a:lnSpc>
+                <a:spcPct val="114000"/>
+              </a:lnSpc>
+            </a:pPr>
+            <a:r>
+              <a:rPr lang="en-US" altLang="ko-KR" sz="1200" b="1" dirty="0">
+                <a:solidFill>
+                  <a:schemeClr val="tx1">
+                    <a:lumMod val="95000"/>
+                    <a:lumOff val="5000"/>
+                  </a:schemeClr>
+                </a:solidFill>
+              </a:rPr>
+              <a:t>API</a:t>
+            </a:r>
+            <a:endParaRPr lang="ko-KR" altLang="en-US" sz="1200" dirty="0">
+              <a:solidFill>
+                <a:schemeClr val="tx1">
+                  <a:lumMod val="95000"/>
+                  <a:lumOff val="5000"/>
+                </a:schemeClr>
+              </a:solidFill>
+            </a:endParaRPr>
+          </a:p>
+        </p:txBody>
+      </p:sp>
+      <p:sp>
+        <p:nvSpPr>
+          <p:cNvPr id="60" name="원통형 59">
+            <a:extLst>
+              <a:ext uri="{FF2B5EF4-FFF2-40B4-BE49-F238E27FC236}">
+                <a16:creationId xmlns:a16="http://schemas.microsoft.com/office/drawing/2014/main" id="{D090DF88-CE26-44F7-887E-1D5CB03DEC78}"/>
+              </a:ext>
+            </a:extLst>
+          </p:cNvPr>
+          <p:cNvSpPr/>
+          <p:nvPr/>
+        </p:nvSpPr>
+        <p:spPr>
+          <a:xfrm>
+            <a:off x="4097240" y="4144453"/>
+            <a:ext cx="994299" cy="827388"/>
+          </a:xfrm>
+          <a:prstGeom prst="can">
+            <a:avLst/>
+          </a:prstGeom>
+        </p:spPr>
+        <p:style>
+          <a:lnRef idx="2">
+            <a:schemeClr val="accent1">
+              <a:shade val="50000"/>
+            </a:schemeClr>
+          </a:lnRef>
+          <a:fillRef idx="1">
+            <a:schemeClr val="accent1"/>
+          </a:fillRef>
+          <a:effectRef idx="0">
+            <a:schemeClr val="accent1"/>
+          </a:effectRef>
+          <a:fontRef idx="minor">
+            <a:schemeClr val="lt1"/>
+          </a:fontRef>
+        </p:style>
+        <p:txBody>
+          <a:bodyPr rtlCol="0" anchor="ctr"/>
+          <a:lstStyle/>
+          <a:p>
+            <a:pPr algn="ctr"/>
+            <a:endParaRPr lang="ko-KR" altLang="en-US" dirty="0"/>
+          </a:p>
+        </p:txBody>
+      </p:sp>
+      <p:cxnSp>
+        <p:nvCxnSpPr>
+          <p:cNvPr id="63" name="직선 화살표 연결선 62">
+            <a:extLst>
+              <a:ext uri="{FF2B5EF4-FFF2-40B4-BE49-F238E27FC236}">
+                <a16:creationId xmlns:a16="http://schemas.microsoft.com/office/drawing/2014/main" id="{4747B9EB-6D5B-4580-8A66-44FA90192CC1}"/>
+              </a:ext>
+            </a:extLst>
+          </p:cNvPr>
+          <p:cNvCxnSpPr>
+            <a:cxnSpLocks/>
+            <a:stCxn id="60" idx="1"/>
+            <a:endCxn id="48" idx="3"/>
+          </p:cNvCxnSpPr>
+          <p:nvPr/>
+        </p:nvCxnSpPr>
+        <p:spPr>
+          <a:xfrm flipH="1" flipV="1">
+            <a:off x="3719745" y="3097888"/>
+            <a:ext cx="874645" cy="1046565"/>
+          </a:xfrm>
+          <a:prstGeom prst="straightConnector1">
+            <a:avLst/>
+          </a:prstGeom>
+          <a:ln>
+            <a:headEnd type="triangle" w="med" len="med"/>
+            <a:tailEnd type="triangle" w="med" len="med"/>
+          </a:ln>
+        </p:spPr>
+        <p:style>
+          <a:lnRef idx="1">
+            <a:schemeClr val="accent1"/>
+          </a:lnRef>
+          <a:fillRef idx="0">
+            <a:schemeClr val="accent1"/>
+          </a:fillRef>
+          <a:effectRef idx="0">
+            <a:schemeClr val="accent1"/>
+          </a:effectRef>
+          <a:fontRef idx="minor">
+            <a:schemeClr val="tx1"/>
+          </a:fontRef>
+        </p:style>
+      </p:cxnSp>
+      <p:cxnSp>
+        <p:nvCxnSpPr>
+          <p:cNvPr id="65" name="직선 화살표 연결선 64">
+            <a:extLst>
+              <a:ext uri="{FF2B5EF4-FFF2-40B4-BE49-F238E27FC236}">
+                <a16:creationId xmlns:a16="http://schemas.microsoft.com/office/drawing/2014/main" id="{6613FFEA-AE37-4939-93D4-13572262459A}"/>
+              </a:ext>
+            </a:extLst>
+          </p:cNvPr>
+          <p:cNvCxnSpPr>
+            <a:cxnSpLocks/>
+            <a:stCxn id="60" idx="2"/>
+            <a:endCxn id="51" idx="3"/>
+          </p:cNvCxnSpPr>
+          <p:nvPr/>
+        </p:nvCxnSpPr>
+        <p:spPr>
+          <a:xfrm flipH="1" flipV="1">
+            <a:off x="3639845" y="3815822"/>
+            <a:ext cx="457395" cy="742325"/>
+          </a:xfrm>
+          <a:prstGeom prst="straightConnector1">
+            <a:avLst/>
+          </a:prstGeom>
+          <a:ln>
+            <a:headEnd type="triangle" w="med" len="med"/>
+            <a:tailEnd type="triangle" w="med" len="med"/>
+          </a:ln>
+        </p:spPr>
+        <p:style>
+          <a:lnRef idx="1">
+            <a:schemeClr val="accent1"/>
+          </a:lnRef>
+          <a:fillRef idx="0">
+            <a:schemeClr val="accent1"/>
+          </a:fillRef>
+          <a:effectRef idx="0">
+            <a:schemeClr val="accent1"/>
+          </a:effectRef>
+          <a:fontRef idx="minor">
+            <a:schemeClr val="tx1"/>
+          </a:fontRef>
+        </p:style>
+      </p:cxnSp>
+      <p:sp>
+        <p:nvSpPr>
+          <p:cNvPr id="70" name="사각형: 둥근 모서리 69">
+            <a:extLst>
+              <a:ext uri="{FF2B5EF4-FFF2-40B4-BE49-F238E27FC236}">
+                <a16:creationId xmlns:a16="http://schemas.microsoft.com/office/drawing/2014/main" id="{5E05B028-DF36-4BDC-8381-E058F79B8BA1}"/>
+              </a:ext>
+            </a:extLst>
+          </p:cNvPr>
+          <p:cNvSpPr/>
+          <p:nvPr/>
+        </p:nvSpPr>
+        <p:spPr>
+          <a:xfrm>
+            <a:off x="6447761" y="3097888"/>
+            <a:ext cx="2108641" cy="826042"/>
+          </a:xfrm>
+          <a:prstGeom prst="roundRect">
+            <a:avLst>
+              <a:gd name="adj" fmla="val 8799"/>
+            </a:avLst>
+          </a:prstGeom>
+          <a:noFill/>
+          <a:ln w="38100">
+            <a:solidFill>
+              <a:schemeClr val="accent1">
+                <a:lumMod val="60000"/>
+                <a:lumOff val="40000"/>
+              </a:schemeClr>
+            </a:solidFill>
+            <a:prstDash val="sysDot"/>
+          </a:ln>
+        </p:spPr>
+        <p:style>
+          <a:lnRef idx="2">
+            <a:schemeClr val="accent1">
+              <a:shade val="50000"/>
+            </a:schemeClr>
+          </a:lnRef>
+          <a:fillRef idx="1">
+            <a:schemeClr val="accent1"/>
+          </a:fillRef>
+          <a:effectRef idx="0">
+            <a:schemeClr val="accent1"/>
+          </a:effectRef>
+          <a:fontRef idx="minor">
+            <a:schemeClr val="lt1"/>
+          </a:fontRef>
+        </p:style>
+        <p:txBody>
+          <a:bodyPr rtlCol="0" anchor="ctr"/>
+          <a:lstStyle/>
+          <a:p>
+            <a:pPr algn="ctr"/>
+            <a:endParaRPr lang="ko-KR" altLang="en-US"/>
+          </a:p>
+        </p:txBody>
+      </p:sp>
+      <p:sp>
+        <p:nvSpPr>
+          <p:cNvPr id="71" name="TextBox 70">
+            <a:extLst>
+              <a:ext uri="{FF2B5EF4-FFF2-40B4-BE49-F238E27FC236}">
+                <a16:creationId xmlns:a16="http://schemas.microsoft.com/office/drawing/2014/main" id="{8C33A714-5AE9-47F6-B51F-BBC717E9C3D3}"/>
+              </a:ext>
+            </a:extLst>
+          </p:cNvPr>
+          <p:cNvSpPr txBox="1"/>
+          <p:nvPr/>
+        </p:nvSpPr>
+        <p:spPr>
+          <a:xfrm>
+            <a:off x="6535149" y="3133587"/>
+            <a:ext cx="1933863" cy="323165"/>
+          </a:xfrm>
+          <a:prstGeom prst="rect">
+            <a:avLst/>
+          </a:prstGeom>
+          <a:noFill/>
+        </p:spPr>
+        <p:txBody>
+          <a:bodyPr wrap="none" rtlCol="0">
+            <a:spAutoFit/>
+          </a:bodyPr>
+          <a:lstStyle/>
+          <a:p>
+            <a:r>
+              <a:rPr lang="en-US" altLang="ko-KR" sz="1500" dirty="0"/>
+              <a:t>Wallet</a:t>
+            </a:r>
+            <a:r>
+              <a:rPr lang="ko-KR" altLang="en-US" sz="1500" dirty="0"/>
+              <a:t> </a:t>
+            </a:r>
+            <a:r>
+              <a:rPr lang="en-US" altLang="ko-KR" sz="1500" dirty="0"/>
+              <a:t>Scheduler #1</a:t>
+            </a:r>
+            <a:endParaRPr lang="ko-KR" altLang="en-US" sz="1500" dirty="0"/>
+          </a:p>
+        </p:txBody>
+      </p:sp>
+      <p:sp>
+        <p:nvSpPr>
+          <p:cNvPr id="72" name="사각형: 둥근 모서리 71">
+            <a:extLst>
+              <a:ext uri="{FF2B5EF4-FFF2-40B4-BE49-F238E27FC236}">
+                <a16:creationId xmlns:a16="http://schemas.microsoft.com/office/drawing/2014/main" id="{200DD787-3E0D-4CC0-BA09-67B53FF61241}"/>
+              </a:ext>
+            </a:extLst>
+          </p:cNvPr>
+          <p:cNvSpPr/>
+          <p:nvPr/>
+        </p:nvSpPr>
+        <p:spPr>
+          <a:xfrm>
+            <a:off x="6609977" y="3552811"/>
+            <a:ext cx="1438182" cy="216217"/>
+          </a:xfrm>
+          <a:prstGeom prst="roundRect">
+            <a:avLst/>
+          </a:prstGeom>
+          <a:solidFill>
+            <a:schemeClr val="bg1"/>
+          </a:solidFill>
+        </p:spPr>
+        <p:style>
+          <a:lnRef idx="2">
+            <a:schemeClr val="accent1">
+              <a:shade val="50000"/>
+            </a:schemeClr>
+          </a:lnRef>
+          <a:fillRef idx="1">
+            <a:schemeClr val="accent1"/>
+          </a:fillRef>
+          <a:effectRef idx="0">
+            <a:schemeClr val="accent1"/>
+          </a:effectRef>
+          <a:fontRef idx="minor">
+            <a:schemeClr val="lt1"/>
+          </a:fontRef>
+        </p:style>
+        <p:txBody>
+          <a:bodyPr rtlCol="0" anchor="ctr"/>
+          <a:lstStyle/>
+          <a:p>
+            <a:pPr>
+              <a:lnSpc>
+                <a:spcPct val="114000"/>
+              </a:lnSpc>
+            </a:pPr>
+            <a:r>
+              <a:rPr lang="en-US" altLang="ko-KR" sz="1200" b="1" dirty="0">
+                <a:solidFill>
+                  <a:schemeClr val="tx1">
+                    <a:lumMod val="95000"/>
+                    <a:lumOff val="5000"/>
+                  </a:schemeClr>
+                </a:solidFill>
+              </a:rPr>
+              <a:t>BTC </a:t>
+            </a:r>
+            <a:r>
+              <a:rPr lang="ko-KR" altLang="en-US" sz="1200" b="1" dirty="0">
+                <a:solidFill>
+                  <a:schemeClr val="tx1">
+                    <a:lumMod val="95000"/>
+                    <a:lumOff val="5000"/>
+                  </a:schemeClr>
+                </a:solidFill>
+              </a:rPr>
+              <a:t>계열</a:t>
+            </a:r>
+            <a:endParaRPr lang="ko-KR" altLang="en-US" sz="1200" dirty="0">
+              <a:solidFill>
+                <a:schemeClr val="tx1">
+                  <a:lumMod val="95000"/>
+                  <a:lumOff val="5000"/>
+                </a:schemeClr>
+              </a:solidFill>
+            </a:endParaRPr>
+          </a:p>
+        </p:txBody>
+      </p:sp>
+      <p:sp>
+        <p:nvSpPr>
+          <p:cNvPr id="73" name="사각형: 둥근 모서리 72">
+            <a:extLst>
+              <a:ext uri="{FF2B5EF4-FFF2-40B4-BE49-F238E27FC236}">
+                <a16:creationId xmlns:a16="http://schemas.microsoft.com/office/drawing/2014/main" id="{05B91AF3-34DA-4ED1-8F64-5C77DEE1A687}"/>
+              </a:ext>
+            </a:extLst>
+          </p:cNvPr>
+          <p:cNvSpPr/>
+          <p:nvPr/>
+        </p:nvSpPr>
+        <p:spPr>
+          <a:xfrm>
+            <a:off x="6447761" y="4082897"/>
+            <a:ext cx="2108641" cy="826042"/>
+          </a:xfrm>
+          <a:prstGeom prst="roundRect">
+            <a:avLst>
+              <a:gd name="adj" fmla="val 8799"/>
+            </a:avLst>
+          </a:prstGeom>
+          <a:noFill/>
+          <a:ln w="38100">
+            <a:solidFill>
+              <a:schemeClr val="accent1">
+                <a:lumMod val="60000"/>
+                <a:lumOff val="40000"/>
+              </a:schemeClr>
+            </a:solidFill>
+            <a:prstDash val="sysDot"/>
+          </a:ln>
+        </p:spPr>
+        <p:style>
+          <a:lnRef idx="2">
+            <a:schemeClr val="accent1">
+              <a:shade val="50000"/>
+            </a:schemeClr>
+          </a:lnRef>
+          <a:fillRef idx="1">
+            <a:schemeClr val="accent1"/>
+          </a:fillRef>
+          <a:effectRef idx="0">
+            <a:schemeClr val="accent1"/>
+          </a:effectRef>
+          <a:fontRef idx="minor">
+            <a:schemeClr val="lt1"/>
+          </a:fontRef>
+        </p:style>
+        <p:txBody>
+          <a:bodyPr rtlCol="0" anchor="ctr"/>
+          <a:lstStyle/>
+          <a:p>
+            <a:pPr algn="ctr"/>
+            <a:endParaRPr lang="ko-KR" altLang="en-US"/>
+          </a:p>
+        </p:txBody>
+      </p:sp>
+      <p:sp>
+        <p:nvSpPr>
+          <p:cNvPr id="74" name="TextBox 73">
+            <a:extLst>
+              <a:ext uri="{FF2B5EF4-FFF2-40B4-BE49-F238E27FC236}">
+                <a16:creationId xmlns:a16="http://schemas.microsoft.com/office/drawing/2014/main" id="{C511C009-A6E5-4285-93A8-399175CE2DEB}"/>
+              </a:ext>
+            </a:extLst>
+          </p:cNvPr>
+          <p:cNvSpPr txBox="1"/>
+          <p:nvPr/>
+        </p:nvSpPr>
+        <p:spPr>
+          <a:xfrm>
+            <a:off x="6535149" y="4118596"/>
+            <a:ext cx="1933863" cy="323165"/>
+          </a:xfrm>
+          <a:prstGeom prst="rect">
+            <a:avLst/>
+          </a:prstGeom>
+          <a:noFill/>
+        </p:spPr>
+        <p:txBody>
+          <a:bodyPr wrap="none" rtlCol="0">
+            <a:spAutoFit/>
+          </a:bodyPr>
+          <a:lstStyle/>
+          <a:p>
+            <a:r>
+              <a:rPr lang="en-US" altLang="ko-KR" sz="1500" dirty="0"/>
+              <a:t>Wallet</a:t>
+            </a:r>
+            <a:r>
+              <a:rPr lang="ko-KR" altLang="en-US" sz="1500" dirty="0"/>
+              <a:t> </a:t>
+            </a:r>
+            <a:r>
+              <a:rPr lang="en-US" altLang="ko-KR" sz="1500" dirty="0"/>
+              <a:t>Scheduler #2</a:t>
+            </a:r>
+            <a:endParaRPr lang="ko-KR" altLang="en-US" sz="1500" dirty="0"/>
+          </a:p>
+        </p:txBody>
+      </p:sp>
+      <p:sp>
+        <p:nvSpPr>
+          <p:cNvPr id="75" name="사각형: 둥근 모서리 74">
+            <a:extLst>
+              <a:ext uri="{FF2B5EF4-FFF2-40B4-BE49-F238E27FC236}">
+                <a16:creationId xmlns:a16="http://schemas.microsoft.com/office/drawing/2014/main" id="{DA062329-73E8-49B0-A51E-268868423C66}"/>
+              </a:ext>
+            </a:extLst>
+          </p:cNvPr>
+          <p:cNvSpPr/>
+          <p:nvPr/>
+        </p:nvSpPr>
+        <p:spPr>
+          <a:xfrm>
+            <a:off x="6609977" y="4537820"/>
+            <a:ext cx="1438182" cy="216217"/>
+          </a:xfrm>
+          <a:prstGeom prst="roundRect">
+            <a:avLst/>
+          </a:prstGeom>
+          <a:solidFill>
+            <a:schemeClr val="bg1"/>
+          </a:solidFill>
+        </p:spPr>
+        <p:style>
+          <a:lnRef idx="2">
+            <a:schemeClr val="accent1">
+              <a:shade val="50000"/>
+            </a:schemeClr>
+          </a:lnRef>
+          <a:fillRef idx="1">
+            <a:schemeClr val="accent1"/>
+          </a:fillRef>
+          <a:effectRef idx="0">
+            <a:schemeClr val="accent1"/>
+          </a:effectRef>
+          <a:fontRef idx="minor">
+            <a:schemeClr val="lt1"/>
+          </a:fontRef>
+        </p:style>
+        <p:txBody>
+          <a:bodyPr rtlCol="0" anchor="ctr"/>
+          <a:lstStyle/>
+          <a:p>
+            <a:pPr>
+              <a:lnSpc>
+                <a:spcPct val="114000"/>
+              </a:lnSpc>
+            </a:pPr>
+            <a:r>
+              <a:rPr lang="ko-KR" altLang="en-US" sz="1200" b="1" dirty="0">
+                <a:solidFill>
+                  <a:schemeClr val="tx1">
+                    <a:lumMod val="95000"/>
+                    <a:lumOff val="5000"/>
+                  </a:schemeClr>
+                </a:solidFill>
+              </a:rPr>
+              <a:t>이더리움 계열</a:t>
+            </a:r>
+            <a:endParaRPr lang="ko-KR" altLang="en-US" sz="1200" dirty="0">
+              <a:solidFill>
+                <a:schemeClr val="tx1">
+                  <a:lumMod val="95000"/>
+                  <a:lumOff val="5000"/>
+                </a:schemeClr>
+              </a:solidFill>
+            </a:endParaRPr>
+          </a:p>
+        </p:txBody>
+      </p:sp>
+      <p:sp>
+        <p:nvSpPr>
+          <p:cNvPr id="76" name="사각형: 둥근 모서리 75">
+            <a:extLst>
+              <a:ext uri="{FF2B5EF4-FFF2-40B4-BE49-F238E27FC236}">
+                <a16:creationId xmlns:a16="http://schemas.microsoft.com/office/drawing/2014/main" id="{0B69A99D-2D64-4E25-9652-67B213A638E5}"/>
+              </a:ext>
+            </a:extLst>
+          </p:cNvPr>
+          <p:cNvSpPr/>
+          <p:nvPr/>
+        </p:nvSpPr>
+        <p:spPr>
+          <a:xfrm>
+            <a:off x="6447761" y="5173581"/>
+            <a:ext cx="2108641" cy="826042"/>
+          </a:xfrm>
+          <a:prstGeom prst="roundRect">
+            <a:avLst>
+              <a:gd name="adj" fmla="val 8799"/>
+            </a:avLst>
+          </a:prstGeom>
+          <a:noFill/>
+          <a:ln w="38100">
+            <a:solidFill>
+              <a:schemeClr val="accent1">
+                <a:lumMod val="60000"/>
+                <a:lumOff val="40000"/>
+              </a:schemeClr>
+            </a:solidFill>
+            <a:prstDash val="sysDot"/>
+          </a:ln>
+        </p:spPr>
+        <p:style>
+          <a:lnRef idx="2">
+            <a:schemeClr val="accent1">
+              <a:shade val="50000"/>
+            </a:schemeClr>
+          </a:lnRef>
+          <a:fillRef idx="1">
+            <a:schemeClr val="accent1"/>
+          </a:fillRef>
+          <a:effectRef idx="0">
+            <a:schemeClr val="accent1"/>
+          </a:effectRef>
+          <a:fontRef idx="minor">
+            <a:schemeClr val="lt1"/>
+          </a:fontRef>
+        </p:style>
+        <p:txBody>
+          <a:bodyPr rtlCol="0" anchor="ctr"/>
+          <a:lstStyle/>
+          <a:p>
+            <a:pPr algn="ctr"/>
+            <a:endParaRPr lang="ko-KR" altLang="en-US"/>
+          </a:p>
+        </p:txBody>
+      </p:sp>
+      <p:sp>
+        <p:nvSpPr>
+          <p:cNvPr id="77" name="TextBox 76">
+            <a:extLst>
+              <a:ext uri="{FF2B5EF4-FFF2-40B4-BE49-F238E27FC236}">
+                <a16:creationId xmlns:a16="http://schemas.microsoft.com/office/drawing/2014/main" id="{94C57E37-A81D-470C-9FA7-589B7343CF1E}"/>
+              </a:ext>
+            </a:extLst>
+          </p:cNvPr>
+          <p:cNvSpPr txBox="1"/>
+          <p:nvPr/>
+        </p:nvSpPr>
+        <p:spPr>
+          <a:xfrm>
+            <a:off x="6535149" y="5209280"/>
+            <a:ext cx="1933863" cy="323165"/>
+          </a:xfrm>
+          <a:prstGeom prst="rect">
+            <a:avLst/>
+          </a:prstGeom>
+          <a:noFill/>
+        </p:spPr>
+        <p:txBody>
+          <a:bodyPr wrap="none" rtlCol="0">
+            <a:spAutoFit/>
+          </a:bodyPr>
+          <a:lstStyle/>
+          <a:p>
+            <a:r>
+              <a:rPr lang="en-US" altLang="ko-KR" sz="1500" dirty="0"/>
+              <a:t>Wallet</a:t>
+            </a:r>
+            <a:r>
+              <a:rPr lang="ko-KR" altLang="en-US" sz="1500" dirty="0"/>
+              <a:t> </a:t>
+            </a:r>
+            <a:r>
+              <a:rPr lang="en-US" altLang="ko-KR" sz="1500" dirty="0"/>
+              <a:t>Scheduler #3</a:t>
+            </a:r>
+            <a:endParaRPr lang="ko-KR" altLang="en-US" sz="1500" dirty="0"/>
+          </a:p>
+        </p:txBody>
+      </p:sp>
+      <p:sp>
+        <p:nvSpPr>
+          <p:cNvPr id="78" name="사각형: 둥근 모서리 77">
+            <a:extLst>
+              <a:ext uri="{FF2B5EF4-FFF2-40B4-BE49-F238E27FC236}">
+                <a16:creationId xmlns:a16="http://schemas.microsoft.com/office/drawing/2014/main" id="{3FC13FB0-E52D-47F5-85AE-EFEA5662B5D5}"/>
+              </a:ext>
+            </a:extLst>
+          </p:cNvPr>
+          <p:cNvSpPr/>
+          <p:nvPr/>
+        </p:nvSpPr>
+        <p:spPr>
+          <a:xfrm>
+            <a:off x="6609977" y="5628504"/>
+            <a:ext cx="1438182" cy="216217"/>
+          </a:xfrm>
+          <a:prstGeom prst="roundRect">
+            <a:avLst/>
+          </a:prstGeom>
+          <a:solidFill>
+            <a:schemeClr val="bg1"/>
+          </a:solidFill>
+        </p:spPr>
+        <p:style>
+          <a:lnRef idx="2">
+            <a:schemeClr val="accent1">
+              <a:shade val="50000"/>
+            </a:schemeClr>
+          </a:lnRef>
+          <a:fillRef idx="1">
+            <a:schemeClr val="accent1"/>
+          </a:fillRef>
+          <a:effectRef idx="0">
+            <a:schemeClr val="accent1"/>
+          </a:effectRef>
+          <a:fontRef idx="minor">
+            <a:schemeClr val="lt1"/>
+          </a:fontRef>
+        </p:style>
+        <p:txBody>
+          <a:bodyPr rtlCol="0" anchor="ctr"/>
+          <a:lstStyle/>
+          <a:p>
+            <a:pPr>
+              <a:lnSpc>
+                <a:spcPct val="114000"/>
+              </a:lnSpc>
+            </a:pPr>
+            <a:r>
+              <a:rPr lang="en-US" altLang="ko-KR" sz="1200" b="1" dirty="0">
+                <a:solidFill>
+                  <a:schemeClr val="tx1">
+                    <a:lumMod val="95000"/>
+                    <a:lumOff val="5000"/>
+                  </a:schemeClr>
+                </a:solidFill>
+              </a:rPr>
+              <a:t>ERC-20</a:t>
+            </a:r>
+            <a:r>
+              <a:rPr lang="ko-KR" altLang="en-US" sz="1200" b="1" dirty="0">
+                <a:solidFill>
+                  <a:schemeClr val="tx1">
+                    <a:lumMod val="95000"/>
+                    <a:lumOff val="5000"/>
+                  </a:schemeClr>
+                </a:solidFill>
+              </a:rPr>
+              <a:t> 계열</a:t>
+            </a:r>
+            <a:endParaRPr lang="ko-KR" altLang="en-US" sz="1200" dirty="0">
+              <a:solidFill>
+                <a:schemeClr val="tx1">
+                  <a:lumMod val="95000"/>
+                  <a:lumOff val="5000"/>
+                </a:schemeClr>
+              </a:solidFill>
+            </a:endParaRPr>
+          </a:p>
+        </p:txBody>
+      </p:sp>
+      <p:sp>
+        <p:nvSpPr>
+          <p:cNvPr id="79" name="원통형 78">
+            <a:extLst>
+              <a:ext uri="{FF2B5EF4-FFF2-40B4-BE49-F238E27FC236}">
+                <a16:creationId xmlns:a16="http://schemas.microsoft.com/office/drawing/2014/main" id="{3A5E38B0-ED3A-4DD1-86F5-08A89C29C6B8}"/>
+              </a:ext>
+            </a:extLst>
+          </p:cNvPr>
+          <p:cNvSpPr/>
+          <p:nvPr/>
+        </p:nvSpPr>
+        <p:spPr>
+          <a:xfrm>
+            <a:off x="9194503" y="4232234"/>
+            <a:ext cx="994299" cy="827388"/>
+          </a:xfrm>
+          <a:prstGeom prst="can">
+            <a:avLst/>
+          </a:prstGeom>
+        </p:spPr>
+        <p:style>
+          <a:lnRef idx="2">
+            <a:schemeClr val="accent1">
+              <a:shade val="50000"/>
+            </a:schemeClr>
+          </a:lnRef>
+          <a:fillRef idx="1">
+            <a:schemeClr val="accent1"/>
+          </a:fillRef>
+          <a:effectRef idx="0">
+            <a:schemeClr val="accent1"/>
+          </a:effectRef>
+          <a:fontRef idx="minor">
+            <a:schemeClr val="lt1"/>
+          </a:fontRef>
+        </p:style>
+        <p:txBody>
+          <a:bodyPr rtlCol="0" anchor="ctr"/>
+          <a:lstStyle/>
+          <a:p>
+            <a:pPr algn="ctr"/>
+            <a:endParaRPr lang="ko-KR" altLang="en-US" dirty="0"/>
+          </a:p>
+        </p:txBody>
+      </p:sp>
+      <p:cxnSp>
+        <p:nvCxnSpPr>
+          <p:cNvPr id="80" name="직선 화살표 연결선 79">
+            <a:extLst>
+              <a:ext uri="{FF2B5EF4-FFF2-40B4-BE49-F238E27FC236}">
+                <a16:creationId xmlns:a16="http://schemas.microsoft.com/office/drawing/2014/main" id="{B10475AF-9857-43A8-A830-F080005C231C}"/>
+              </a:ext>
+            </a:extLst>
+          </p:cNvPr>
+          <p:cNvCxnSpPr>
+            <a:cxnSpLocks/>
+            <a:stCxn id="79" idx="1"/>
+            <a:endCxn id="57" idx="3"/>
+          </p:cNvCxnSpPr>
+          <p:nvPr/>
+        </p:nvCxnSpPr>
+        <p:spPr>
+          <a:xfrm flipH="1" flipV="1">
+            <a:off x="8338705" y="2347279"/>
+            <a:ext cx="1352948" cy="1884955"/>
+          </a:xfrm>
+          <a:prstGeom prst="straightConnector1">
+            <a:avLst/>
+          </a:prstGeom>
+          <a:ln>
+            <a:headEnd type="triangle" w="med" len="med"/>
+            <a:tailEnd type="triangle" w="med" len="med"/>
+          </a:ln>
+        </p:spPr>
+        <p:style>
+          <a:lnRef idx="1">
+            <a:schemeClr val="accent1"/>
+          </a:lnRef>
+          <a:fillRef idx="0">
+            <a:schemeClr val="accent1"/>
+          </a:fillRef>
+          <a:effectRef idx="0">
+            <a:schemeClr val="accent1"/>
+          </a:effectRef>
+          <a:fontRef idx="minor">
+            <a:schemeClr val="tx1"/>
+          </a:fontRef>
+        </p:style>
+      </p:cxnSp>
+      <p:cxnSp>
+        <p:nvCxnSpPr>
+          <p:cNvPr id="81" name="직선 화살표 연결선 80">
+            <a:extLst>
+              <a:ext uri="{FF2B5EF4-FFF2-40B4-BE49-F238E27FC236}">
+                <a16:creationId xmlns:a16="http://schemas.microsoft.com/office/drawing/2014/main" id="{544E646F-6947-4F72-BA56-6686AF500907}"/>
+              </a:ext>
+            </a:extLst>
+          </p:cNvPr>
+          <p:cNvCxnSpPr>
+            <a:cxnSpLocks/>
+            <a:stCxn id="79" idx="2"/>
+            <a:endCxn id="72" idx="3"/>
+          </p:cNvCxnSpPr>
+          <p:nvPr/>
+        </p:nvCxnSpPr>
+        <p:spPr>
+          <a:xfrm flipH="1" flipV="1">
+            <a:off x="8048159" y="3660920"/>
+            <a:ext cx="1146344" cy="985008"/>
+          </a:xfrm>
+          <a:prstGeom prst="straightConnector1">
+            <a:avLst/>
+          </a:prstGeom>
+          <a:ln>
+            <a:headEnd type="triangle" w="med" len="med"/>
+            <a:tailEnd type="triangle" w="med" len="med"/>
+          </a:ln>
+        </p:spPr>
+        <p:style>
+          <a:lnRef idx="1">
+            <a:schemeClr val="accent1"/>
+          </a:lnRef>
+          <a:fillRef idx="0">
+            <a:schemeClr val="accent1"/>
+          </a:fillRef>
+          <a:effectRef idx="0">
+            <a:schemeClr val="accent1"/>
+          </a:effectRef>
+          <a:fontRef idx="minor">
+            <a:schemeClr val="tx1"/>
+          </a:fontRef>
+        </p:style>
+      </p:cxnSp>
+      <p:cxnSp>
+        <p:nvCxnSpPr>
+          <p:cNvPr id="82" name="직선 화살표 연결선 81">
+            <a:extLst>
+              <a:ext uri="{FF2B5EF4-FFF2-40B4-BE49-F238E27FC236}">
+                <a16:creationId xmlns:a16="http://schemas.microsoft.com/office/drawing/2014/main" id="{605C5C5A-F24E-417B-B8CF-F81527B65CC6}"/>
+              </a:ext>
+            </a:extLst>
+          </p:cNvPr>
+          <p:cNvCxnSpPr>
+            <a:cxnSpLocks/>
+            <a:stCxn id="79" idx="2"/>
+            <a:endCxn id="75" idx="3"/>
+          </p:cNvCxnSpPr>
+          <p:nvPr/>
+        </p:nvCxnSpPr>
+        <p:spPr>
+          <a:xfrm flipH="1">
+            <a:off x="8048159" y="4645928"/>
+            <a:ext cx="1146344" cy="1"/>
+          </a:xfrm>
+          <a:prstGeom prst="straightConnector1">
+            <a:avLst/>
+          </a:prstGeom>
+          <a:ln>
+            <a:headEnd type="triangle" w="med" len="med"/>
+            <a:tailEnd type="triangle" w="med" len="med"/>
+          </a:ln>
+        </p:spPr>
+        <p:style>
+          <a:lnRef idx="1">
+            <a:schemeClr val="accent1"/>
+          </a:lnRef>
+          <a:fillRef idx="0">
+            <a:schemeClr val="accent1"/>
+          </a:fillRef>
+          <a:effectRef idx="0">
+            <a:schemeClr val="accent1"/>
+          </a:effectRef>
+          <a:fontRef idx="minor">
+            <a:schemeClr val="tx1"/>
+          </a:fontRef>
+        </p:style>
+      </p:cxnSp>
+      <p:cxnSp>
+        <p:nvCxnSpPr>
+          <p:cNvPr id="83" name="직선 화살표 연결선 82">
+            <a:extLst>
+              <a:ext uri="{FF2B5EF4-FFF2-40B4-BE49-F238E27FC236}">
+                <a16:creationId xmlns:a16="http://schemas.microsoft.com/office/drawing/2014/main" id="{2A32EAD2-C414-4D0D-88A7-42C3B7F23D66}"/>
+              </a:ext>
+            </a:extLst>
+          </p:cNvPr>
+          <p:cNvCxnSpPr>
+            <a:cxnSpLocks/>
+            <a:stCxn id="79" idx="2"/>
+            <a:endCxn id="78" idx="3"/>
+          </p:cNvCxnSpPr>
+          <p:nvPr/>
+        </p:nvCxnSpPr>
+        <p:spPr>
+          <a:xfrm flipH="1">
+            <a:off x="8048159" y="4645928"/>
+            <a:ext cx="1146344" cy="1090685"/>
+          </a:xfrm>
+          <a:prstGeom prst="straightConnector1">
+            <a:avLst/>
+          </a:prstGeom>
+          <a:ln>
+            <a:headEnd type="triangle" w="med" len="med"/>
+            <a:tailEnd type="triangle" w="med" len="med"/>
+          </a:ln>
+        </p:spPr>
+        <p:style>
+          <a:lnRef idx="1">
+            <a:schemeClr val="accent1"/>
+          </a:lnRef>
+          <a:fillRef idx="0">
+            <a:schemeClr val="accent1"/>
+          </a:fillRef>
+          <a:effectRef idx="0">
+            <a:schemeClr val="accent1"/>
+          </a:effectRef>
+          <a:fontRef idx="minor">
+            <a:schemeClr val="tx1"/>
+          </a:fontRef>
+        </p:style>
+      </p:cxnSp>
+      <p:sp>
+        <p:nvSpPr>
+          <p:cNvPr id="84" name="TextBox 83">
+            <a:extLst>
+              <a:ext uri="{FF2B5EF4-FFF2-40B4-BE49-F238E27FC236}">
+                <a16:creationId xmlns:a16="http://schemas.microsoft.com/office/drawing/2014/main" id="{83534779-DDDB-438E-988E-E502F4D35F30}"/>
+              </a:ext>
+            </a:extLst>
+          </p:cNvPr>
+          <p:cNvSpPr txBox="1"/>
+          <p:nvPr/>
+        </p:nvSpPr>
+        <p:spPr>
+          <a:xfrm>
+            <a:off x="2511064" y="423286"/>
+            <a:ext cx="744114" cy="369332"/>
+          </a:xfrm>
+          <a:prstGeom prst="rect">
+            <a:avLst/>
+          </a:prstGeom>
+          <a:noFill/>
+        </p:spPr>
+        <p:txBody>
+          <a:bodyPr wrap="none" rtlCol="0">
+            <a:spAutoFit/>
+          </a:bodyPr>
+          <a:lstStyle/>
+          <a:p>
+            <a:r>
+              <a:rPr lang="en-US" altLang="ko-KR" dirty="0"/>
+              <a:t>AS-IS</a:t>
+            </a:r>
+            <a:endParaRPr lang="ko-KR" altLang="en-US" dirty="0"/>
+          </a:p>
+        </p:txBody>
+      </p:sp>
+      <p:sp>
+        <p:nvSpPr>
+          <p:cNvPr id="85" name="TextBox 84">
+            <a:extLst>
+              <a:ext uri="{FF2B5EF4-FFF2-40B4-BE49-F238E27FC236}">
+                <a16:creationId xmlns:a16="http://schemas.microsoft.com/office/drawing/2014/main" id="{42EBDDDF-C289-4862-B214-CB97AE138BE0}"/>
+              </a:ext>
+            </a:extLst>
+          </p:cNvPr>
+          <p:cNvSpPr txBox="1"/>
+          <p:nvPr/>
+        </p:nvSpPr>
+        <p:spPr>
+          <a:xfrm>
+            <a:off x="7130023" y="492424"/>
+            <a:ext cx="822726" cy="369332"/>
+          </a:xfrm>
+          <a:prstGeom prst="rect">
+            <a:avLst/>
+          </a:prstGeom>
+          <a:noFill/>
+        </p:spPr>
+        <p:txBody>
+          <a:bodyPr wrap="none" rtlCol="0">
+            <a:spAutoFit/>
+          </a:bodyPr>
+          <a:lstStyle/>
+          <a:p>
+            <a:r>
+              <a:rPr lang="en-US" altLang="ko-KR" dirty="0"/>
+              <a:t>TO-BE</a:t>
+            </a:r>
+            <a:endParaRPr lang="ko-KR" altLang="en-US" dirty="0"/>
+          </a:p>
+        </p:txBody>
+      </p:sp>
+    </p:spTree>
+    <p:extLst>
+      <p:ext uri="{BB962C8B-B14F-4D97-AF65-F5344CB8AC3E}">
+        <p14:creationId xmlns:p14="http://schemas.microsoft.com/office/powerpoint/2010/main" val="3087880263"/>
+      </p:ext>
+    </p:extLst>
+  </p:cSld>
+  <p:clrMapOvr>
+    <a:masterClrMapping/>
+  </p:clrMapOvr>
+</p:sld>
+</file>
+
 <file path=ppt/theme/theme1.xml><?xml version="1.0" encoding="utf-8"?>
 <a:theme xmlns:a="http://schemas.openxmlformats.org/drawingml/2006/main" name="Office 테마">
   <a:themeElements>
